--- a/Sprint3产品展示.pptx
+++ b/Sprint3产品展示.pptx
@@ -9197,7 +9197,7 @@
           </a:ln>
           <a:extLst>
             <a:ext uri="{91240B29-F687-4f45-9708-019B960494DF}">
-              <a14:hiddenLine xmlns:a14="http://schemas.microsoft.com/office/drawing/2010/main" xmlns="" w="9525">
+              <a14:hiddenLine xmlns="" xmlns:a14="http://schemas.microsoft.com/office/drawing/2010/main" w="9525">
                 <a:solidFill>
                   <a:srgbClr val="000000"/>
                 </a:solidFill>
@@ -9488,7 +9488,7 @@
           </a:ln>
           <a:extLst>
             <a:ext uri="{91240B29-F687-4f45-9708-019B960494DF}">
-              <a14:hiddenLine xmlns:a14="http://schemas.microsoft.com/office/drawing/2010/main" xmlns="" w="9525">
+              <a14:hiddenLine xmlns="" xmlns:a14="http://schemas.microsoft.com/office/drawing/2010/main" w="9525">
                 <a:solidFill>
                   <a:srgbClr val="000000"/>
                 </a:solidFill>
@@ -30936,21 +30936,7 @@
                 <a:ea typeface="微软雅黑" panose="020B0503020204020204" pitchFamily="34" charset="-122"/>
                 <a:cs typeface="Arial" panose="020B0604020202020204" pitchFamily="34" charset="0"/>
               </a:rPr>
-              <a:t>端、</a:t>
-            </a:r>
-            <a:r>
-              <a:rPr lang="zh-CN" altLang="en-US" sz="1400" dirty="0" smtClean="0">
-                <a:solidFill>
-                  <a:schemeClr val="tx1">
-                    <a:lumMod val="75000"/>
-                    <a:lumOff val="25000"/>
-                  </a:schemeClr>
-                </a:solidFill>
-                <a:latin typeface="微软雅黑" panose="020B0503020204020204" pitchFamily="34" charset="-122"/>
-                <a:ea typeface="微软雅黑" panose="020B0503020204020204" pitchFamily="34" charset="-122"/>
-                <a:cs typeface="Arial" panose="020B0604020202020204" pitchFamily="34" charset="0"/>
-              </a:rPr>
-              <a:t>安卓</a:t>
+              <a:t>端、安卓</a:t>
             </a:r>
             <a:endParaRPr lang="en-US" altLang="zh-CN" sz="1400" dirty="0" smtClean="0">
               <a:solidFill>
@@ -30982,21 +30968,7 @@
                 <a:ea typeface="微软雅黑" panose="020B0503020204020204" pitchFamily="34" charset="-122"/>
                 <a:cs typeface="Arial" panose="020B0604020202020204" pitchFamily="34" charset="0"/>
               </a:rPr>
-              <a:t>扩大</a:t>
-            </a:r>
-            <a:r>
-              <a:rPr lang="zh-CN" altLang="en-US" sz="1400" dirty="0" smtClean="0">
-                <a:solidFill>
-                  <a:schemeClr val="tx1">
-                    <a:lumMod val="75000"/>
-                    <a:lumOff val="25000"/>
-                  </a:schemeClr>
-                </a:solidFill>
-                <a:latin typeface="微软雅黑" panose="020B0503020204020204" pitchFamily="34" charset="-122"/>
-                <a:ea typeface="微软雅黑" panose="020B0503020204020204" pitchFamily="34" charset="-122"/>
-                <a:cs typeface="Arial" panose="020B0604020202020204" pitchFamily="34" charset="0"/>
-              </a:rPr>
-              <a:t>用户群体</a:t>
+              <a:t>扩大用户群体</a:t>
             </a:r>
             <a:endParaRPr lang="en-US" altLang="zh-CN" sz="1400" dirty="0" smtClean="0">
               <a:solidFill>
@@ -33214,7 +33186,7 @@
             </a:ln>
             <a:extLst>
               <a:ext uri="{91240B29-F687-4f45-9708-019B960494DF}">
-                <a14:hiddenLine xmlns:a14="http://schemas.microsoft.com/office/drawing/2010/main" xmlns="" w="9525">
+                <a14:hiddenLine xmlns="" xmlns:a14="http://schemas.microsoft.com/office/drawing/2010/main" w="9525">
                   <a:solidFill>
                     <a:srgbClr val="000000"/>
                   </a:solidFill>
@@ -33469,21 +33441,7 @@
                 <a:ea typeface="微软雅黑" panose="020B0503020204020204" pitchFamily="34" charset="-122"/>
                 <a:cs typeface="Arial" panose="020B0604020202020204" pitchFamily="34" charset="0"/>
               </a:rPr>
-              <a:t>系统</a:t>
-            </a:r>
-            <a:r>
-              <a:rPr lang="zh-CN" altLang="en-US" sz="1400" dirty="0" smtClean="0">
-                <a:solidFill>
-                  <a:schemeClr val="tx1">
-                    <a:lumMod val="75000"/>
-                    <a:lumOff val="25000"/>
-                  </a:schemeClr>
-                </a:solidFill>
-                <a:latin typeface="微软雅黑" panose="020B0503020204020204" pitchFamily="34" charset="-122"/>
-                <a:ea typeface="微软雅黑" panose="020B0503020204020204" pitchFamily="34" charset="-122"/>
-                <a:cs typeface="Arial" panose="020B0604020202020204" pitchFamily="34" charset="0"/>
-              </a:rPr>
-              <a:t>自动发送电子邮件</a:t>
+              <a:t>系统自动发送电子邮件</a:t>
             </a:r>
             <a:endParaRPr lang="en-US" altLang="zh-CN" sz="1400" dirty="0" smtClean="0">
               <a:solidFill>
@@ -33515,21 +33473,7 @@
                 <a:ea typeface="微软雅黑" panose="020B0503020204020204" pitchFamily="34" charset="-122"/>
                 <a:cs typeface="Arial" panose="020B0604020202020204" pitchFamily="34" charset="0"/>
               </a:rPr>
-              <a:t>减少</a:t>
-            </a:r>
-            <a:r>
-              <a:rPr lang="zh-CN" altLang="en-US" sz="1400" dirty="0" smtClean="0">
-                <a:solidFill>
-                  <a:schemeClr val="tx1">
-                    <a:lumMod val="75000"/>
-                    <a:lumOff val="25000"/>
-                  </a:schemeClr>
-                </a:solidFill>
-                <a:latin typeface="微软雅黑" panose="020B0503020204020204" pitchFamily="34" charset="-122"/>
-                <a:ea typeface="微软雅黑" panose="020B0503020204020204" pitchFamily="34" charset="-122"/>
-                <a:cs typeface="Arial" panose="020B0604020202020204" pitchFamily="34" charset="0"/>
-              </a:rPr>
-              <a:t>发布者和</a:t>
+              <a:t>减少发布者和</a:t>
             </a:r>
             <a:endParaRPr lang="en-US" altLang="zh-CN" sz="1400" dirty="0" smtClean="0">
               <a:solidFill>
@@ -33764,21 +33708,7 @@
                 <a:ea typeface="微软雅黑" panose="020B0503020204020204" pitchFamily="34" charset="-122"/>
                 <a:cs typeface="Arial" panose="020B0604020202020204" pitchFamily="34" charset="0"/>
               </a:rPr>
-              <a:t>连接发布者和</a:t>
-            </a:r>
-            <a:r>
-              <a:rPr lang="zh-CN" altLang="en-US" sz="1400" dirty="0" smtClean="0">
-                <a:solidFill>
-                  <a:schemeClr val="tx1">
-                    <a:lumMod val="75000"/>
-                    <a:lumOff val="25000"/>
-                  </a:schemeClr>
-                </a:solidFill>
-                <a:latin typeface="微软雅黑" panose="020B0503020204020204" pitchFamily="34" charset="-122"/>
-                <a:ea typeface="微软雅黑" panose="020B0503020204020204" pitchFamily="34" charset="-122"/>
-                <a:cs typeface="Arial" panose="020B0604020202020204" pitchFamily="34" charset="0"/>
-              </a:rPr>
-              <a:t>参与者</a:t>
+              <a:t>连接发布者和参与者</a:t>
             </a:r>
             <a:endParaRPr lang="en-US" altLang="zh-CN" sz="1400" dirty="0" smtClean="0">
               <a:solidFill>
@@ -34065,7 +33995,7 @@
       </p:pic>
       <p:pic>
         <p:nvPicPr>
-          <p:cNvPr id="7" name="图片 6"/>
+          <p:cNvPr id="9" name="图片 8"/>
           <p:cNvPicPr>
             <a:picLocks noChangeAspect="1"/>
           </p:cNvPicPr>
@@ -34073,30 +34003,6 @@
         </p:nvPicPr>
         <p:blipFill>
           <a:blip r:embed="rId7"/>
-          <a:stretch>
-            <a:fillRect/>
-          </a:stretch>
-        </p:blipFill>
-        <p:spPr>
-          <a:xfrm>
-            <a:off x="380826" y="1054891"/>
-            <a:ext cx="8440122" cy="3270547"/>
-          </a:xfrm>
-          <a:prstGeom prst="rect">
-            <a:avLst/>
-          </a:prstGeom>
-        </p:spPr>
-      </p:pic>
-      <p:pic>
-        <p:nvPicPr>
-          <p:cNvPr id="9" name="图片 8"/>
-          <p:cNvPicPr>
-            <a:picLocks noChangeAspect="1"/>
-          </p:cNvPicPr>
-          <p:nvPr/>
-        </p:nvPicPr>
-        <p:blipFill>
-          <a:blip r:embed="rId8"/>
           <a:stretch>
             <a:fillRect/>
           </a:stretch>
@@ -34120,7 +34026,7 @@
           <p:nvPr/>
         </p:nvPicPr>
         <p:blipFill>
-          <a:blip r:embed="rId9"/>
+          <a:blip r:embed="rId8"/>
           <a:stretch>
             <a:fillRect/>
           </a:stretch>
@@ -34144,14 +34050,14 @@
           <p:nvPr/>
         </p:nvPicPr>
         <p:blipFill>
-          <a:blip r:embed="rId10"/>
+          <a:blip r:embed="rId9"/>
           <a:stretch>
             <a:fillRect/>
           </a:stretch>
         </p:blipFill>
         <p:spPr>
           <a:xfrm>
-            <a:off x="278600" y="1033521"/>
+            <a:off x="381110" y="1033521"/>
             <a:ext cx="8644573" cy="3219732"/>
           </a:xfrm>
           <a:prstGeom prst="rect">
@@ -36414,13 +36320,33 @@
               </a:rPr>
               <a:t>轻量</a:t>
             </a:r>
-            <a:endParaRPr lang="zh-CN" altLang="en-US" sz="2800" b="1" dirty="0">
-              <a:latin typeface="微软雅黑" panose="020B0503020204020204" pitchFamily="34" charset="-122"/>
-              <a:ea typeface="微软雅黑" panose="020B0503020204020204" pitchFamily="34" charset="-122"/>
-            </a:endParaRPr>
           </a:p>
         </p:txBody>
       </p:sp>
+      <p:pic>
+        <p:nvPicPr>
+          <p:cNvPr id="3" name="图片 2"/>
+          <p:cNvPicPr>
+            <a:picLocks noChangeAspect="1"/>
+          </p:cNvPicPr>
+          <p:nvPr/>
+        </p:nvPicPr>
+        <p:blipFill>
+          <a:blip r:embed="rId3"/>
+          <a:stretch>
+            <a:fillRect/>
+          </a:stretch>
+        </p:blipFill>
+        <p:spPr>
+          <a:xfrm>
+            <a:off x="1036589" y="590602"/>
+            <a:ext cx="7133775" cy="4252289"/>
+          </a:xfrm>
+          <a:prstGeom prst="rect">
+            <a:avLst/>
+          </a:prstGeom>
+        </p:spPr>
+      </p:pic>
     </p:spTree>
   </p:cSld>
   <p:clrMapOvr>
@@ -36429,7 +36355,128 @@
   <p:timing>
     <p:tnLst>
       <p:par>
-        <p:cTn id="1" dur="indefinite" restart="never" nodeType="tmRoot"/>
+        <p:cTn id="1" dur="indefinite" restart="never" nodeType="tmRoot">
+          <p:childTnLst>
+            <p:seq concurrent="1" nextAc="seek">
+              <p:cTn id="2" dur="indefinite" nodeType="mainSeq">
+                <p:childTnLst>
+                  <p:par>
+                    <p:cTn id="3" fill="hold">
+                      <p:stCondLst>
+                        <p:cond delay="indefinite"/>
+                      </p:stCondLst>
+                      <p:childTnLst>
+                        <p:par>
+                          <p:cTn id="4" fill="hold">
+                            <p:stCondLst>
+                              <p:cond delay="0"/>
+                            </p:stCondLst>
+                            <p:childTnLst>
+                              <p:par>
+                                <p:cTn id="5" presetID="1" presetClass="entr" presetSubtype="0" fill="hold" nodeType="clickEffect">
+                                  <p:stCondLst>
+                                    <p:cond delay="0"/>
+                                  </p:stCondLst>
+                                  <p:childTnLst>
+                                    <p:set>
+                                      <p:cBhvr>
+                                        <p:cTn id="6" dur="1" fill="hold">
+                                          <p:stCondLst>
+                                            <p:cond delay="0"/>
+                                          </p:stCondLst>
+                                        </p:cTn>
+                                        <p:tgtEl>
+                                          <p:spTgt spid="3"/>
+                                        </p:tgtEl>
+                                        <p:attrNameLst>
+                                          <p:attrName>style.visibility</p:attrName>
+                                        </p:attrNameLst>
+                                      </p:cBhvr>
+                                      <p:to>
+                                        <p:strVal val="visible"/>
+                                      </p:to>
+                                    </p:set>
+                                  </p:childTnLst>
+                                </p:cTn>
+                              </p:par>
+                            </p:childTnLst>
+                          </p:cTn>
+                        </p:par>
+                      </p:childTnLst>
+                    </p:cTn>
+                  </p:par>
+                  <p:par>
+                    <p:cTn id="7" fill="hold">
+                      <p:stCondLst>
+                        <p:cond delay="indefinite"/>
+                      </p:stCondLst>
+                      <p:childTnLst>
+                        <p:par>
+                          <p:cTn id="8" fill="hold">
+                            <p:stCondLst>
+                              <p:cond delay="0"/>
+                            </p:stCondLst>
+                            <p:childTnLst>
+                              <p:par>
+                                <p:cTn id="9" presetID="10" presetClass="exit" presetSubtype="0" fill="hold" nodeType="clickEffect">
+                                  <p:stCondLst>
+                                    <p:cond delay="0"/>
+                                  </p:stCondLst>
+                                  <p:childTnLst>
+                                    <p:animEffect transition="out" filter="fade">
+                                      <p:cBhvr>
+                                        <p:cTn id="10" dur="500"/>
+                                        <p:tgtEl>
+                                          <p:spTgt spid="3"/>
+                                        </p:tgtEl>
+                                      </p:cBhvr>
+                                    </p:animEffect>
+                                    <p:set>
+                                      <p:cBhvr>
+                                        <p:cTn id="11" dur="1" fill="hold">
+                                          <p:stCondLst>
+                                            <p:cond delay="499"/>
+                                          </p:stCondLst>
+                                        </p:cTn>
+                                        <p:tgtEl>
+                                          <p:spTgt spid="3"/>
+                                        </p:tgtEl>
+                                        <p:attrNameLst>
+                                          <p:attrName>style.visibility</p:attrName>
+                                        </p:attrNameLst>
+                                      </p:cBhvr>
+                                      <p:to>
+                                        <p:strVal val="hidden"/>
+                                      </p:to>
+                                    </p:set>
+                                  </p:childTnLst>
+                                </p:cTn>
+                              </p:par>
+                            </p:childTnLst>
+                          </p:cTn>
+                        </p:par>
+                      </p:childTnLst>
+                    </p:cTn>
+                  </p:par>
+                </p:childTnLst>
+              </p:cTn>
+              <p:prevCondLst>
+                <p:cond evt="onPrev" delay="0">
+                  <p:tgtEl>
+                    <p:sldTgt/>
+                  </p:tgtEl>
+                </p:cond>
+              </p:prevCondLst>
+              <p:nextCondLst>
+                <p:cond evt="onNext" delay="0">
+                  <p:tgtEl>
+                    <p:sldTgt/>
+                  </p:tgtEl>
+                </p:cond>
+              </p:nextCondLst>
+            </p:seq>
+          </p:childTnLst>
+        </p:cTn>
       </p:par>
     </p:tnLst>
   </p:timing>
